--- a/2020/dataset-serialize-restrequest/DataSet Serialize e RestRequest4Delphi, uma combinação que deu certo!.pptx
+++ b/2020/dataset-serialize-restrequest/DataSet Serialize e RestRequest4Delphi, uma combinação que deu certo!.pptx
@@ -1314,7 +1314,7 @@
               <a:buNone/>
             </a:pPr>
             <a:r>
-              <a:rPr lang="pt-BR" dirty="0"/>
+              <a:rPr lang="pt-BR" sz="2000" dirty="0"/>
               <a:t>A estrutura se concentra em JSON como o formato de representação. </a:t>
             </a:r>
           </a:p>
@@ -1329,7 +1329,7 @@
               <a:buNone/>
             </a:pPr>
             <a:r>
-              <a:rPr lang="pt-BR" dirty="0"/>
+              <a:rPr lang="pt-BR" sz="2000" dirty="0"/>
               <a:t>O formato XML não é compatível.</a:t>
             </a:r>
           </a:p>
@@ -1598,6 +1598,9 @@
           <a:bodyPr/>
           <a:lstStyle/>
           <a:p>
+            <a:endParaRPr lang="pt-BR" sz="2000" dirty="0"/>
+          </a:p>
+          <a:p>
             <a:r>
               <a:rPr lang="pt-BR" sz="2000" dirty="0"/>
               <a:t>É possível fazer o processo inverso também. Utilizar os dados de um </a:t>
@@ -4280,6 +4283,29 @@
             </a:r>
             <a:r>
               <a:rPr lang="pt-BR" sz="2000" i="1" u="sng" dirty="0"/>
+              <a:t>.</a:t>
+            </a:r>
+          </a:p>
+          <a:p>
+            <a:pPr marL="0" indent="0">
+              <a:buNone/>
+            </a:pPr>
+            <a:endParaRPr lang="pt-BR" sz="2000" i="1" u="sng" dirty="0"/>
+          </a:p>
+          <a:p>
+            <a:pPr marL="0" indent="0">
+              <a:buNone/>
+            </a:pPr>
+            <a:r>
+              <a:rPr lang="pt-BR" sz="2000" dirty="0"/>
+              <a:t>Compatibilidade com o </a:t>
+            </a:r>
+            <a:r>
+              <a:rPr lang="pt-BR" sz="2000" b="1" dirty="0" err="1"/>
+              <a:t>Larazus</a:t>
+            </a:r>
+            <a:r>
+              <a:rPr lang="pt-BR" sz="2000" dirty="0"/>
               <a:t>.</a:t>
             </a:r>
           </a:p>
@@ -4826,6 +4852,12 @@
 </file>
 
 <file path=customXml/item1.xml><?xml version="1.0" encoding="utf-8"?>
+<p:properties xmlns:p="http://schemas.microsoft.com/office/2006/metadata/properties" xmlns:xsi="http://www.w3.org/2001/XMLSchema-instance" xmlns:pc="http://schemas.microsoft.com/office/infopath/2007/PartnerControls">
+  <documentManagement/>
+</p:properties>
+</file>
+
+<file path=customXml/item2.xml><?xml version="1.0" encoding="utf-8"?>
 <ct:contentTypeSchema xmlns:ct="http://schemas.microsoft.com/office/2006/metadata/contentType" xmlns:ma="http://schemas.microsoft.com/office/2006/metadata/properties/metaAttributes" ct:_="" ma:_="" ma:contentTypeName="Documento" ma:contentTypeID="0x010100CD9438EC9C5993469CF61A1F46C57B83" ma:contentTypeVersion="10" ma:contentTypeDescription="Crie um novo documento." ma:contentTypeScope="" ma:versionID="62080b6bd8e6f4b26a868cd797796634">
   <xsd:schema xmlns:xsd="http://www.w3.org/2001/XMLSchema" xmlns:xs="http://www.w3.org/2001/XMLSchema" xmlns:p="http://schemas.microsoft.com/office/2006/metadata/properties" xmlns:ns3="35a886c1-c068-49eb-8a69-44d892a80394" targetNamespace="http://schemas.microsoft.com/office/2006/metadata/properties" ma:root="true" ma:fieldsID="a47701105542557c98ccc6d374aa4798" ns3:_="">
     <xsd:import namespace="35a886c1-c068-49eb-8a69-44d892a80394"/>
@@ -5009,12 +5041,6 @@
 </ct:contentTypeSchema>
 </file>
 
-<file path=customXml/item2.xml><?xml version="1.0" encoding="utf-8"?>
-<p:properties xmlns:p="http://schemas.microsoft.com/office/2006/metadata/properties" xmlns:xsi="http://www.w3.org/2001/XMLSchema-instance" xmlns:pc="http://schemas.microsoft.com/office/infopath/2007/PartnerControls">
-  <documentManagement/>
-</p:properties>
-</file>
-
 <file path=customXml/item3.xml><?xml version="1.0" encoding="utf-8"?>
 <?mso-contentType ?>
 <FormTemplates xmlns="http://schemas.microsoft.com/sharepoint/v3/contenttype/forms">
@@ -5025,6 +5051,22 @@
 </file>
 
 <file path=customXml/itemProps1.xml><?xml version="1.0" encoding="utf-8"?>
+<ds:datastoreItem xmlns:ds="http://schemas.openxmlformats.org/officeDocument/2006/customXml" ds:itemID="{FC13E19B-D56E-4327-A7E7-9A2C893B5877}">
+  <ds:schemaRefs>
+    <ds:schemaRef ds:uri="http://www.w3.org/XML/1998/namespace"/>
+    <ds:schemaRef ds:uri="http://purl.org/dc/dcmitype/"/>
+    <ds:schemaRef ds:uri="35a886c1-c068-49eb-8a69-44d892a80394"/>
+    <ds:schemaRef ds:uri="http://schemas.microsoft.com/office/infopath/2007/PartnerControls"/>
+    <ds:schemaRef ds:uri="http://schemas.microsoft.com/office/2006/documentManagement/types"/>
+    <ds:schemaRef ds:uri="http://purl.org/dc/terms/"/>
+    <ds:schemaRef ds:uri="http://purl.org/dc/elements/1.1/"/>
+    <ds:schemaRef ds:uri="http://schemas.openxmlformats.org/package/2006/metadata/core-properties"/>
+    <ds:schemaRef ds:uri="http://schemas.microsoft.com/office/2006/metadata/properties"/>
+  </ds:schemaRefs>
+</ds:datastoreItem>
+</file>
+
+<file path=customXml/itemProps2.xml><?xml version="1.0" encoding="utf-8"?>
 <ds:datastoreItem xmlns:ds="http://schemas.openxmlformats.org/officeDocument/2006/customXml" ds:itemID="{2DCA0572-8200-4C6D-ADE1-517BB2689EB3}">
   <ds:schemaRefs>
     <ds:schemaRef ds:uri="http://schemas.microsoft.com/office/2006/metadata/contentType"/>
@@ -5042,22 +5084,6 @@
 </ds:datastoreItem>
 </file>
 
-<file path=customXml/itemProps2.xml><?xml version="1.0" encoding="utf-8"?>
-<ds:datastoreItem xmlns:ds="http://schemas.openxmlformats.org/officeDocument/2006/customXml" ds:itemID="{FC13E19B-D56E-4327-A7E7-9A2C893B5877}">
-  <ds:schemaRefs>
-    <ds:schemaRef ds:uri="http://www.w3.org/XML/1998/namespace"/>
-    <ds:schemaRef ds:uri="http://purl.org/dc/dcmitype/"/>
-    <ds:schemaRef ds:uri="35a886c1-c068-49eb-8a69-44d892a80394"/>
-    <ds:schemaRef ds:uri="http://schemas.microsoft.com/office/infopath/2007/PartnerControls"/>
-    <ds:schemaRef ds:uri="http://schemas.microsoft.com/office/2006/documentManagement/types"/>
-    <ds:schemaRef ds:uri="http://purl.org/dc/terms/"/>
-    <ds:schemaRef ds:uri="http://purl.org/dc/elements/1.1/"/>
-    <ds:schemaRef ds:uri="http://schemas.openxmlformats.org/package/2006/metadata/core-properties"/>
-    <ds:schemaRef ds:uri="http://schemas.microsoft.com/office/2006/metadata/properties"/>
-  </ds:schemaRefs>
-</ds:datastoreItem>
-</file>
-
 <file path=customXml/itemProps3.xml><?xml version="1.0" encoding="utf-8"?>
 <ds:datastoreItem xmlns:ds="http://schemas.openxmlformats.org/officeDocument/2006/customXml" ds:itemID="{74453037-89E6-495B-97DC-7EFBB7414780}">
   <ds:schemaRefs>

--- a/2020/dataset-serialize-restrequest/DataSet Serialize e RestRequest4Delphi, uma combinação que deu certo!.pptx
+++ b/2020/dataset-serialize-restrequest/DataSet Serialize e RestRequest4Delphi, uma combinação que deu certo!.pptx
@@ -18,7 +18,8 @@
     <p:sldId id="265" r:id="rId15"/>
     <p:sldId id="270" r:id="rId16"/>
     <p:sldId id="271" r:id="rId17"/>
-    <p:sldId id="260" r:id="rId18"/>
+    <p:sldId id="272" r:id="rId18"/>
+    <p:sldId id="260" r:id="rId19"/>
   </p:sldIdLst>
   <p:sldSz cx="12192000" cy="6858000"/>
   <p:notesSz cx="6858000" cy="9144000"/>
@@ -1285,7 +1286,7 @@
             </a:r>
             <a:r>
               <a:rPr lang="pt-PT" altLang="pt-BR" sz="2000" dirty="0"/>
-              <a:t>  é uma API para consumir serviços REST escritos em qualquer linguagem de programação;</a:t>
+              <a:t>  é uma API para consumir serviços REST;</a:t>
             </a:r>
           </a:p>
           <a:p>
@@ -1790,6 +1791,187 @@
           <a:chExt cx="0" cy="0"/>
         </a:xfrm>
       </p:grpSpPr>
+      <p:sp>
+        <p:nvSpPr>
+          <p:cNvPr id="7" name="AutoShape 10">
+            <a:extLst>
+              <a:ext uri="{FF2B5EF4-FFF2-40B4-BE49-F238E27FC236}">
+                <a16:creationId xmlns:a16="http://schemas.microsoft.com/office/drawing/2014/main" id="{AFDF49E8-7049-4E78-A09D-6A8C81D3E0D4}"/>
+              </a:ext>
+            </a:extLst>
+          </p:cNvPr>
+          <p:cNvSpPr>
+            <a:spLocks noChangeAspect="1" noChangeArrowheads="1"/>
+          </p:cNvSpPr>
+          <p:nvPr/>
+        </p:nvSpPr>
+        <p:spPr bwMode="auto">
+          <a:xfrm>
+            <a:off x="6096000" y="3429000"/>
+            <a:ext cx="304800" cy="304800"/>
+          </a:xfrm>
+          <a:prstGeom prst="rect">
+            <a:avLst/>
+          </a:prstGeom>
+          <a:noFill/>
+          <a:extLst>
+            <a:ext uri="{909E8E84-426E-40DD-AFC4-6F175D3DCCD1}">
+              <a14:hiddenFill xmlns:a14="http://schemas.microsoft.com/office/drawing/2010/main">
+                <a:solidFill>
+                  <a:srgbClr val="FFFFFF"/>
+                </a:solidFill>
+              </a14:hiddenFill>
+            </a:ext>
+          </a:extLst>
+        </p:spPr>
+        <p:txBody>
+          <a:bodyPr vert="horz" wrap="square" lIns="91440" tIns="45720" rIns="91440" bIns="45720" numCol="1" anchor="t" anchorCtr="0" compatLnSpc="1">
+            <a:prstTxWarp prst="textNoShape">
+              <a:avLst/>
+            </a:prstTxWarp>
+          </a:bodyPr>
+          <a:lstStyle/>
+          <a:p>
+            <a:endParaRPr lang="pt-BR"/>
+          </a:p>
+        </p:txBody>
+      </p:sp>
+      <p:pic>
+        <p:nvPicPr>
+          <p:cNvPr id="4" name="Imagem 3">
+            <a:extLst>
+              <a:ext uri="{FF2B5EF4-FFF2-40B4-BE49-F238E27FC236}">
+                <a16:creationId xmlns:a16="http://schemas.microsoft.com/office/drawing/2014/main" id="{DA45CE13-F3A0-458B-A779-5651C205AD78}"/>
+              </a:ext>
+            </a:extLst>
+          </p:cNvPr>
+          <p:cNvPicPr>
+            <a:picLocks noChangeAspect="1"/>
+          </p:cNvPicPr>
+          <p:nvPr/>
+        </p:nvPicPr>
+        <p:blipFill>
+          <a:blip r:embed="rId2">
+            <a:extLst>
+              <a:ext uri="{28A0092B-C50C-407E-A947-70E740481C1C}">
+                <a14:useLocalDpi xmlns:a14="http://schemas.microsoft.com/office/drawing/2010/main" val="0"/>
+              </a:ext>
+            </a:extLst>
+          </a:blip>
+          <a:stretch>
+            <a:fillRect/>
+          </a:stretch>
+        </p:blipFill>
+        <p:spPr>
+          <a:xfrm rot="351366">
+            <a:off x="6727400" y="1777151"/>
+            <a:ext cx="4904664" cy="4954772"/>
+          </a:xfrm>
+          <a:prstGeom prst="rect">
+            <a:avLst/>
+          </a:prstGeom>
+        </p:spPr>
+      </p:pic>
+      <p:pic>
+        <p:nvPicPr>
+          <p:cNvPr id="6" name="Imagem 5">
+            <a:extLst>
+              <a:ext uri="{FF2B5EF4-FFF2-40B4-BE49-F238E27FC236}">
+                <a16:creationId xmlns:a16="http://schemas.microsoft.com/office/drawing/2014/main" id="{BE350E3D-8EC4-456F-94DF-357948CC0691}"/>
+              </a:ext>
+            </a:extLst>
+          </p:cNvPr>
+          <p:cNvPicPr>
+            <a:picLocks noChangeAspect="1"/>
+          </p:cNvPicPr>
+          <p:nvPr/>
+        </p:nvPicPr>
+        <p:blipFill>
+          <a:blip r:embed="rId3">
+            <a:extLst>
+              <a:ext uri="{28A0092B-C50C-407E-A947-70E740481C1C}">
+                <a14:useLocalDpi xmlns:a14="http://schemas.microsoft.com/office/drawing/2010/main" val="0"/>
+              </a:ext>
+            </a:extLst>
+          </a:blip>
+          <a:stretch>
+            <a:fillRect/>
+          </a:stretch>
+        </p:blipFill>
+        <p:spPr>
+          <a:xfrm>
+            <a:off x="106324" y="74429"/>
+            <a:ext cx="1286541" cy="1667785"/>
+          </a:xfrm>
+          <a:prstGeom prst="rect">
+            <a:avLst/>
+          </a:prstGeom>
+        </p:spPr>
+      </p:pic>
+      <p:sp>
+        <p:nvSpPr>
+          <p:cNvPr id="9" name="Título 1">
+            <a:extLst>
+              <a:ext uri="{FF2B5EF4-FFF2-40B4-BE49-F238E27FC236}">
+                <a16:creationId xmlns:a16="http://schemas.microsoft.com/office/drawing/2014/main" id="{DA681F5F-04AF-4F48-8E08-B52BD0B47C2C}"/>
+              </a:ext>
+            </a:extLst>
+          </p:cNvPr>
+          <p:cNvSpPr>
+            <a:spLocks noGrp="1"/>
+          </p:cNvSpPr>
+          <p:nvPr>
+            <p:ph type="title"/>
+          </p:nvPr>
+        </p:nvSpPr>
+        <p:spPr>
+          <a:xfrm>
+            <a:off x="6807395" y="0"/>
+            <a:ext cx="5384605" cy="733647"/>
+          </a:xfrm>
+        </p:spPr>
+        <p:txBody>
+          <a:bodyPr/>
+          <a:lstStyle/>
+          <a:p>
+            <a:pPr algn="r"/>
+            <a:r>
+              <a:rPr lang="pt-BR" sz="4400" dirty="0"/>
+              <a:t>Avalie-me</a:t>
+            </a:r>
+          </a:p>
+        </p:txBody>
+      </p:sp>
+    </p:spTree>
+    <p:extLst>
+      <p:ext uri="{BB962C8B-B14F-4D97-AF65-F5344CB8AC3E}">
+        <p14:creationId xmlns:p14="http://schemas.microsoft.com/office/powerpoint/2010/main" val="4229353314"/>
+      </p:ext>
+    </p:extLst>
+  </p:cSld>
+  <p:clrMapOvr>
+    <a:masterClrMapping/>
+  </p:clrMapOvr>
+</p:sld>
+</file>
+
+<file path=ppt/slides/slide15.xml><?xml version="1.0" encoding="utf-8"?>
+<p:sld xmlns:a="http://schemas.openxmlformats.org/drawingml/2006/main" xmlns:r="http://schemas.openxmlformats.org/officeDocument/2006/relationships" xmlns:p="http://schemas.openxmlformats.org/presentationml/2006/main">
+  <p:cSld>
+    <p:spTree>
+      <p:nvGrpSpPr>
+        <p:cNvPr id="1" name=""/>
+        <p:cNvGrpSpPr/>
+        <p:nvPr/>
+      </p:nvGrpSpPr>
+      <p:grpSpPr>
+        <a:xfrm>
+          <a:off x="0" y="0"/>
+          <a:ext cx="0" cy="0"/>
+          <a:chOff x="0" y="0"/>
+          <a:chExt cx="0" cy="0"/>
+        </a:xfrm>
+      </p:grpSpPr>
       <p:pic>
         <p:nvPicPr>
           <p:cNvPr id="3" name="Imagem 2" descr="Ícone&#10;&#10;Descrição gerada automaticamente">
@@ -3802,53 +3984,6 @@
       </p:pic>
       <p:pic>
         <p:nvPicPr>
-          <p:cNvPr id="1026" name="Picture 2">
-            <a:extLst>
-              <a:ext uri="{FF2B5EF4-FFF2-40B4-BE49-F238E27FC236}">
-                <a16:creationId xmlns:a16="http://schemas.microsoft.com/office/drawing/2014/main" id="{7A9537D3-8709-4290-A8E0-DB578B315008}"/>
-              </a:ext>
-            </a:extLst>
-          </p:cNvPr>
-          <p:cNvPicPr>
-            <a:picLocks noChangeAspect="1" noChangeArrowheads="1"/>
-          </p:cNvPicPr>
-          <p:nvPr/>
-        </p:nvPicPr>
-        <p:blipFill>
-          <a:blip r:embed="rId3">
-            <a:extLst>
-              <a:ext uri="{28A0092B-C50C-407E-A947-70E740481C1C}">
-                <a14:useLocalDpi xmlns:a14="http://schemas.microsoft.com/office/drawing/2010/main" val="0"/>
-              </a:ext>
-            </a:extLst>
-          </a:blip>
-          <a:srcRect/>
-          <a:stretch>
-            <a:fillRect/>
-          </a:stretch>
-        </p:blipFill>
-        <p:spPr bwMode="auto">
-          <a:xfrm>
-            <a:off x="10717667" y="-78241"/>
-            <a:ext cx="1381125" cy="352425"/>
-          </a:xfrm>
-          <a:prstGeom prst="rect">
-            <a:avLst/>
-          </a:prstGeom>
-          <a:noFill/>
-          <a:extLst>
-            <a:ext uri="{909E8E84-426E-40DD-AFC4-6F175D3DCCD1}">
-              <a14:hiddenFill xmlns:a14="http://schemas.microsoft.com/office/drawing/2010/main">
-                <a:solidFill>
-                  <a:srgbClr val="FFFFFF"/>
-                </a:solidFill>
-              </a14:hiddenFill>
-            </a:ext>
-          </a:extLst>
-        </p:spPr>
-      </p:pic>
-      <p:pic>
-        <p:nvPicPr>
           <p:cNvPr id="8" name="Imagem 7" descr="Logotipo&#10;&#10;Descrição gerada automaticamente">
             <a:extLst>
               <a:ext uri="{FF2B5EF4-FFF2-40B4-BE49-F238E27FC236}">
@@ -3862,7 +3997,7 @@
           <p:nvPr/>
         </p:nvPicPr>
         <p:blipFill>
-          <a:blip r:embed="rId4">
+          <a:blip r:embed="rId3">
             <a:extLst>
               <a:ext uri="{28A0092B-C50C-407E-A947-70E740481C1C}">
                 <a14:useLocalDpi xmlns:a14="http://schemas.microsoft.com/office/drawing/2010/main" val="0"/>
@@ -3898,7 +4033,7 @@
           <p:nvPr/>
         </p:nvPicPr>
         <p:blipFill>
-          <a:blip r:embed="rId5">
+          <a:blip r:embed="rId4">
             <a:extLst>
               <a:ext uri="{28A0092B-C50C-407E-A947-70E740481C1C}">
                 <a14:useLocalDpi xmlns:a14="http://schemas.microsoft.com/office/drawing/2010/main" val="0"/>
@@ -3928,6 +4063,42 @@
               </a14:hiddenFill>
             </a:ext>
           </a:extLst>
+        </p:spPr>
+      </p:pic>
+      <p:pic>
+        <p:nvPicPr>
+          <p:cNvPr id="6" name="Imagem 5">
+            <a:extLst>
+              <a:ext uri="{FF2B5EF4-FFF2-40B4-BE49-F238E27FC236}">
+                <a16:creationId xmlns:a16="http://schemas.microsoft.com/office/drawing/2014/main" id="{963B1C73-AA29-4A87-A14C-E2F3BB554DEE}"/>
+              </a:ext>
+            </a:extLst>
+          </p:cNvPr>
+          <p:cNvPicPr>
+            <a:picLocks noChangeAspect="1"/>
+          </p:cNvPicPr>
+          <p:nvPr/>
+        </p:nvPicPr>
+        <p:blipFill>
+          <a:blip r:embed="rId5">
+            <a:extLst>
+              <a:ext uri="{28A0092B-C50C-407E-A947-70E740481C1C}">
+                <a14:useLocalDpi xmlns:a14="http://schemas.microsoft.com/office/drawing/2010/main" val="0"/>
+              </a:ext>
+            </a:extLst>
+          </a:blip>
+          <a:stretch>
+            <a:fillRect/>
+          </a:stretch>
+        </p:blipFill>
+        <p:spPr>
+          <a:xfrm>
+            <a:off x="10697478" y="81346"/>
+            <a:ext cx="1364401" cy="1768719"/>
+          </a:xfrm>
+          <a:prstGeom prst="rect">
+            <a:avLst/>
+          </a:prstGeom>
         </p:spPr>
       </p:pic>
     </p:spTree>
@@ -4852,9 +5023,12 @@
 </file>
 
 <file path=customXml/item1.xml><?xml version="1.0" encoding="utf-8"?>
-<p:properties xmlns:p="http://schemas.microsoft.com/office/2006/metadata/properties" xmlns:xsi="http://www.w3.org/2001/XMLSchema-instance" xmlns:pc="http://schemas.microsoft.com/office/infopath/2007/PartnerControls">
-  <documentManagement/>
-</p:properties>
+<?mso-contentType ?>
+<FormTemplates xmlns="http://schemas.microsoft.com/sharepoint/v3/contenttype/forms">
+  <Display>DocumentLibraryForm</Display>
+  <Edit>DocumentLibraryForm</Edit>
+  <New>DocumentLibraryForm</New>
+</FormTemplates>
 </file>
 
 <file path=customXml/item2.xml><?xml version="1.0" encoding="utf-8"?>
@@ -5042,26 +5216,15 @@
 </file>
 
 <file path=customXml/item3.xml><?xml version="1.0" encoding="utf-8"?>
-<?mso-contentType ?>
-<FormTemplates xmlns="http://schemas.microsoft.com/sharepoint/v3/contenttype/forms">
-  <Display>DocumentLibraryForm</Display>
-  <Edit>DocumentLibraryForm</Edit>
-  <New>DocumentLibraryForm</New>
-</FormTemplates>
+<p:properties xmlns:p="http://schemas.microsoft.com/office/2006/metadata/properties" xmlns:xsi="http://www.w3.org/2001/XMLSchema-instance" xmlns:pc="http://schemas.microsoft.com/office/infopath/2007/PartnerControls">
+  <documentManagement/>
+</p:properties>
 </file>
 
 <file path=customXml/itemProps1.xml><?xml version="1.0" encoding="utf-8"?>
-<ds:datastoreItem xmlns:ds="http://schemas.openxmlformats.org/officeDocument/2006/customXml" ds:itemID="{FC13E19B-D56E-4327-A7E7-9A2C893B5877}">
+<ds:datastoreItem xmlns:ds="http://schemas.openxmlformats.org/officeDocument/2006/customXml" ds:itemID="{74453037-89E6-495B-97DC-7EFBB7414780}">
   <ds:schemaRefs>
-    <ds:schemaRef ds:uri="http://www.w3.org/XML/1998/namespace"/>
-    <ds:schemaRef ds:uri="http://purl.org/dc/dcmitype/"/>
-    <ds:schemaRef ds:uri="35a886c1-c068-49eb-8a69-44d892a80394"/>
-    <ds:schemaRef ds:uri="http://schemas.microsoft.com/office/infopath/2007/PartnerControls"/>
-    <ds:schemaRef ds:uri="http://schemas.microsoft.com/office/2006/documentManagement/types"/>
-    <ds:schemaRef ds:uri="http://purl.org/dc/terms/"/>
-    <ds:schemaRef ds:uri="http://purl.org/dc/elements/1.1/"/>
-    <ds:schemaRef ds:uri="http://schemas.openxmlformats.org/package/2006/metadata/core-properties"/>
-    <ds:schemaRef ds:uri="http://schemas.microsoft.com/office/2006/metadata/properties"/>
+    <ds:schemaRef ds:uri="http://schemas.microsoft.com/sharepoint/v3/contenttype/forms"/>
   </ds:schemaRefs>
 </ds:datastoreItem>
 </file>
@@ -5085,9 +5248,17 @@
 </file>
 
 <file path=customXml/itemProps3.xml><?xml version="1.0" encoding="utf-8"?>
-<ds:datastoreItem xmlns:ds="http://schemas.openxmlformats.org/officeDocument/2006/customXml" ds:itemID="{74453037-89E6-495B-97DC-7EFBB7414780}">
+<ds:datastoreItem xmlns:ds="http://schemas.openxmlformats.org/officeDocument/2006/customXml" ds:itemID="{FC13E19B-D56E-4327-A7E7-9A2C893B5877}">
   <ds:schemaRefs>
-    <ds:schemaRef ds:uri="http://schemas.microsoft.com/sharepoint/v3/contenttype/forms"/>
+    <ds:schemaRef ds:uri="http://www.w3.org/XML/1998/namespace"/>
+    <ds:schemaRef ds:uri="http://purl.org/dc/dcmitype/"/>
+    <ds:schemaRef ds:uri="35a886c1-c068-49eb-8a69-44d892a80394"/>
+    <ds:schemaRef ds:uri="http://schemas.microsoft.com/office/infopath/2007/PartnerControls"/>
+    <ds:schemaRef ds:uri="http://schemas.microsoft.com/office/2006/documentManagement/types"/>
+    <ds:schemaRef ds:uri="http://purl.org/dc/terms/"/>
+    <ds:schemaRef ds:uri="http://purl.org/dc/elements/1.1/"/>
+    <ds:schemaRef ds:uri="http://schemas.openxmlformats.org/package/2006/metadata/core-properties"/>
+    <ds:schemaRef ds:uri="http://schemas.microsoft.com/office/2006/metadata/properties"/>
   </ds:schemaRefs>
 </ds:datastoreItem>
 </file>